--- a/Bemutató.pptx
+++ b/Bemutató.pptx
@@ -310,7 +310,7 @@
           <a:p>
             <a:fld id="{15D936E9-9075-41B9-BFEF-534E14BC2A42}" type="datetimeFigureOut">
               <a:rPr lang="hu-HU" smtClean="0"/>
-              <a:t>2022.12.02</a:t>
+              <a:t>2022.12.05</a:t>
             </a:fld>
             <a:endParaRPr lang="hu-HU"/>
           </a:p>
@@ -585,7 +585,7 @@
           <a:p>
             <a:fld id="{15D936E9-9075-41B9-BFEF-534E14BC2A42}" type="datetimeFigureOut">
               <a:rPr lang="hu-HU" smtClean="0"/>
-              <a:t>2022.12.02</a:t>
+              <a:t>2022.12.05</a:t>
             </a:fld>
             <a:endParaRPr lang="hu-HU"/>
           </a:p>
@@ -779,7 +779,7 @@
           <a:p>
             <a:fld id="{15D936E9-9075-41B9-BFEF-534E14BC2A42}" type="datetimeFigureOut">
               <a:rPr lang="hu-HU" smtClean="0"/>
-              <a:t>2022.12.02</a:t>
+              <a:t>2022.12.05</a:t>
             </a:fld>
             <a:endParaRPr lang="hu-HU"/>
           </a:p>
@@ -1052,7 +1052,7 @@
           <a:p>
             <a:fld id="{15D936E9-9075-41B9-BFEF-534E14BC2A42}" type="datetimeFigureOut">
               <a:rPr lang="hu-HU" smtClean="0"/>
-              <a:t>2022.12.02</a:t>
+              <a:t>2022.12.05</a:t>
             </a:fld>
             <a:endParaRPr lang="hu-HU"/>
           </a:p>
@@ -1393,7 +1393,7 @@
           <a:p>
             <a:fld id="{15D936E9-9075-41B9-BFEF-534E14BC2A42}" type="datetimeFigureOut">
               <a:rPr lang="hu-HU" smtClean="0"/>
-              <a:t>2022.12.02</a:t>
+              <a:t>2022.12.05</a:t>
             </a:fld>
             <a:endParaRPr lang="hu-HU"/>
           </a:p>
@@ -2016,7 +2016,7 @@
           <a:p>
             <a:fld id="{15D936E9-9075-41B9-BFEF-534E14BC2A42}" type="datetimeFigureOut">
               <a:rPr lang="hu-HU" smtClean="0"/>
-              <a:t>2022.12.02</a:t>
+              <a:t>2022.12.05</a:t>
             </a:fld>
             <a:endParaRPr lang="hu-HU"/>
           </a:p>
@@ -2876,7 +2876,7 @@
           <a:p>
             <a:fld id="{15D936E9-9075-41B9-BFEF-534E14BC2A42}" type="datetimeFigureOut">
               <a:rPr lang="hu-HU" smtClean="0"/>
-              <a:t>2022.12.02</a:t>
+              <a:t>2022.12.05</a:t>
             </a:fld>
             <a:endParaRPr lang="hu-HU"/>
           </a:p>
@@ -3046,7 +3046,7 @@
           <a:p>
             <a:fld id="{15D936E9-9075-41B9-BFEF-534E14BC2A42}" type="datetimeFigureOut">
               <a:rPr lang="hu-HU" smtClean="0"/>
-              <a:t>2022.12.02</a:t>
+              <a:t>2022.12.05</a:t>
             </a:fld>
             <a:endParaRPr lang="hu-HU"/>
           </a:p>
@@ -3226,7 +3226,7 @@
           <a:p>
             <a:fld id="{15D936E9-9075-41B9-BFEF-534E14BC2A42}" type="datetimeFigureOut">
               <a:rPr lang="hu-HU" smtClean="0"/>
-              <a:t>2022.12.02</a:t>
+              <a:t>2022.12.05</a:t>
             </a:fld>
             <a:endParaRPr lang="hu-HU"/>
           </a:p>
@@ -3396,7 +3396,7 @@
           <a:p>
             <a:fld id="{15D936E9-9075-41B9-BFEF-534E14BC2A42}" type="datetimeFigureOut">
               <a:rPr lang="hu-HU" smtClean="0"/>
-              <a:t>2022.12.02</a:t>
+              <a:t>2022.12.05</a:t>
             </a:fld>
             <a:endParaRPr lang="hu-HU"/>
           </a:p>
@@ -3643,7 +3643,7 @@
           <a:p>
             <a:fld id="{15D936E9-9075-41B9-BFEF-534E14BC2A42}" type="datetimeFigureOut">
               <a:rPr lang="hu-HU" smtClean="0"/>
-              <a:t>2022.12.02</a:t>
+              <a:t>2022.12.05</a:t>
             </a:fld>
             <a:endParaRPr lang="hu-HU"/>
           </a:p>
@@ -3935,7 +3935,7 @@
           <a:p>
             <a:fld id="{15D936E9-9075-41B9-BFEF-534E14BC2A42}" type="datetimeFigureOut">
               <a:rPr lang="hu-HU" smtClean="0"/>
-              <a:t>2022.12.02</a:t>
+              <a:t>2022.12.05</a:t>
             </a:fld>
             <a:endParaRPr lang="hu-HU"/>
           </a:p>
@@ -4379,7 +4379,7 @@
           <a:p>
             <a:fld id="{15D936E9-9075-41B9-BFEF-534E14BC2A42}" type="datetimeFigureOut">
               <a:rPr lang="hu-HU" smtClean="0"/>
-              <a:t>2022.12.02</a:t>
+              <a:t>2022.12.05</a:t>
             </a:fld>
             <a:endParaRPr lang="hu-HU"/>
           </a:p>
@@ -4497,7 +4497,7 @@
           <a:p>
             <a:fld id="{15D936E9-9075-41B9-BFEF-534E14BC2A42}" type="datetimeFigureOut">
               <a:rPr lang="hu-HU" smtClean="0"/>
-              <a:t>2022.12.02</a:t>
+              <a:t>2022.12.05</a:t>
             </a:fld>
             <a:endParaRPr lang="hu-HU"/>
           </a:p>
@@ -4592,7 +4592,7 @@
           <a:p>
             <a:fld id="{15D936E9-9075-41B9-BFEF-534E14BC2A42}" type="datetimeFigureOut">
               <a:rPr lang="hu-HU" smtClean="0"/>
-              <a:t>2022.12.02</a:t>
+              <a:t>2022.12.05</a:t>
             </a:fld>
             <a:endParaRPr lang="hu-HU"/>
           </a:p>
@@ -4871,7 +4871,7 @@
           <a:p>
             <a:fld id="{15D936E9-9075-41B9-BFEF-534E14BC2A42}" type="datetimeFigureOut">
               <a:rPr lang="hu-HU" smtClean="0"/>
-              <a:t>2022.12.02</a:t>
+              <a:t>2022.12.05</a:t>
             </a:fld>
             <a:endParaRPr lang="hu-HU"/>
           </a:p>
@@ -5146,7 +5146,7 @@
           <a:p>
             <a:fld id="{15D936E9-9075-41B9-BFEF-534E14BC2A42}" type="datetimeFigureOut">
               <a:rPr lang="hu-HU" smtClean="0"/>
-              <a:t>2022.12.02</a:t>
+              <a:t>2022.12.05</a:t>
             </a:fld>
             <a:endParaRPr lang="hu-HU"/>
           </a:p>
@@ -5584,7 +5584,7 @@
           <a:p>
             <a:fld id="{15D936E9-9075-41B9-BFEF-534E14BC2A42}" type="datetimeFigureOut">
               <a:rPr lang="hu-HU" smtClean="0"/>
-              <a:t>2022.12.02</a:t>
+              <a:t>2022.12.05</a:t>
             </a:fld>
             <a:endParaRPr lang="hu-HU"/>
           </a:p>
@@ -6952,13 +6952,8 @@
           <a:p>
             <a:r>
               <a:rPr lang="hu-HU" dirty="0"/>
-              <a:t>Sándor </a:t>
-            </a:r>
-            <a:r>
-              <a:rPr lang="hu-HU" dirty="0" err="1"/>
-              <a:t>kevin</a:t>
-            </a:r>
-            <a:endParaRPr lang="hu-HU" dirty="0"/>
+              <a:t>Sándor Kevin</a:t>
+            </a:r>
           </a:p>
           <a:p>
             <a:r>
